--- a/课程PPT/（01）H5图形及动画简介.pptx
+++ b/课程PPT/（01）H5图形及动画简介.pptx
@@ -4605,7 +4605,16 @@
                 </a:solidFill>
                 <a:sym typeface="+mn-ea"/>
               </a:rPr>
-              <a:t>通常，随着屏幕尺寸的增加，画布</a:t>
+              <a:t>通常，随着屏幕尺寸的增加，</a:t>
+            </a:r>
+            <a:r>
+              <a:rPr lang="en-US" sz="2000" noProof="1">
+                <a:solidFill>
+                  <a:schemeClr val="tx1"/>
+                </a:solidFill>
+                <a:sym typeface="+mn-ea"/>
+              </a:rPr>
+              <a:t>Canvas</a:t>
             </a:r>
             <a:r>
               <a:rPr lang="zh-CN" sz="2000" noProof="1">
